--- a/LectureFiles/cshl/2018/RNASeq_Module1_Lecture.pptx
+++ b/LectureFiles/cshl/2018/RNASeq_Module1_Lecture.pptx
@@ -168,7 +168,7 @@
   </p:defaultTextStyle>
   <p:extLst>
     <p:ext uri="{EFAFB233-063F-42B5-8137-9DF3F51BA10A}">
-      <p15:sldGuideLst xmlns:p15="http://schemas.microsoft.com/office/powerpoint/2012/main" xmlns="">
+      <p15:sldGuideLst xmlns="" xmlns:p15="http://schemas.microsoft.com/office/powerpoint/2012/main">
         <p15:guide id="1" orient="horz" pos="2160">
           <p15:clr>
             <a:srgbClr val="A4A3A4"/>
@@ -288,7 +288,7 @@
               <a:pPr>
                 <a:defRPr/>
               </a:pPr>
-              <a:t>11/13/17</a:t>
+              <a:t>11/13/18</a:t>
             </a:fld>
             <a:endParaRPr lang="en-US"/>
           </a:p>
@@ -495,7 +495,7 @@
               <a:pPr>
                 <a:defRPr/>
               </a:pPr>
-              <a:t>11/13/17</a:t>
+              <a:t>11/13/18</a:t>
             </a:fld>
             <a:endParaRPr lang="en-US"/>
           </a:p>
@@ -4157,11 +4157,7 @@
             </a:r>
             <a:r>
               <a:rPr lang="en-US" dirty="0" smtClean="0"/>
-              <a:t>representation of transcript species. Since the oligonucleotide probes used in these kits are only designed to bind to and deplete rRNA sequences, </a:t>
-            </a:r>
-            <a:r>
-              <a:rPr lang="en-US" dirty="0" smtClean="0"/>
-              <a:t>a</a:t>
+              <a:t>representation of transcript species. Since the oligonucleotide probes used in these kits are only designed to bind to and deplete rRNA sequences, a</a:t>
             </a:r>
             <a:r>
               <a:rPr lang="en-US" baseline="0" dirty="0" smtClean="0"/>
@@ -4169,11 +4165,7 @@
             </a:r>
             <a:r>
               <a:rPr lang="en-US" dirty="0" smtClean="0"/>
-              <a:t>significant </a:t>
-            </a:r>
-            <a:r>
-              <a:rPr lang="en-US" dirty="0" smtClean="0"/>
-              <a:t>amount of unprocessed RNA and </a:t>
+              <a:t>significant amount of unprocessed RNA and </a:t>
             </a:r>
             <a:r>
               <a:rPr lang="en-US" dirty="0" err="1" smtClean="0"/>
@@ -4409,11 +4401,7 @@
             </a:r>
             <a:r>
               <a:rPr lang="en-US" dirty="0" smtClean="0"/>
-              <a:t>In panel A, a gene transcribed on the positive strand is shown in green, a second gene transcribed on the negative strand is shown in brown, and a third </a:t>
-            </a:r>
-            <a:r>
-              <a:rPr lang="en-US" dirty="0" smtClean="0"/>
-              <a:t>gene</a:t>
+              <a:t>In panel A, a gene transcribed on the positive strand is shown in green, a second gene transcribed on the negative strand is shown in brown, and a third gene</a:t>
             </a:r>
             <a:r>
               <a:rPr lang="en-US" baseline="0" dirty="0" smtClean="0"/>
@@ -4421,11 +4409,7 @@
             </a:r>
             <a:r>
               <a:rPr lang="en-US" dirty="0" smtClean="0"/>
-              <a:t>transcribed </a:t>
-            </a:r>
-            <a:r>
-              <a:rPr lang="en-US" dirty="0" smtClean="0"/>
-              <a:t>on the positive strand (partially overlapping the second gene) is shown in yellow. The first two genes are protein coding with the open reading frame (ORF) portion depicted as thick rectangles and the UTRs depicted as thin rectangles. The third gene is a noncoding RNA gene. Aligned paired-end</a:t>
+              <a:t>transcribed on the positive strand (partially overlapping the second gene) is shown in yellow. The first two genes are protein coding with the open reading frame (ORF) portion depicted as thick rectangles and the UTRs depicted as thin rectangles. The third gene is a noncoding RNA gene. Aligned paired-end</a:t>
             </a:r>
             <a:r>
               <a:rPr lang="en-US" baseline="0" dirty="0" smtClean="0"/>
@@ -6941,7 +6925,7 @@
               <a:pPr>
                 <a:defRPr/>
               </a:pPr>
-              <a:t>11/13/17</a:t>
+              <a:t>11/13/18</a:t>
             </a:fld>
             <a:endParaRPr lang="en-US"/>
           </a:p>
@@ -7775,10 +7759,6 @@
               </a:rPr>
               <a:t> </a:t>
             </a:r>
-            <a:endParaRPr lang="en-US" altLang="ja-JP" sz="1800" dirty="0" smtClean="0">
-              <a:latin typeface="Calibri" charset="0"/>
-              <a:ea typeface="ＭＳ Ｐゴシック" charset="0"/>
-            </a:endParaRPr>
           </a:p>
           <a:p>
             <a:r>
@@ -10455,12 +10435,47 @@
               <a:defRPr/>
             </a:pPr>
             <a:r>
-              <a:rPr lang="en-US" sz="1600" dirty="0" smtClean="0">
+              <a:rPr lang="en-US" sz="1600" dirty="0" err="1">
                 <a:latin typeface="Calibri"/>
-                <a:ea typeface="+mj-ea"/>
                 <a:cs typeface="Calibri"/>
               </a:rPr>
-              <a:t>Malachi Griffith, Obi Griffith, Jason Walker, Alex Wagner</a:t>
+              <a:t>Kelsy</a:t>
+            </a:r>
+            <a:r>
+              <a:rPr lang="en-US" sz="1600" dirty="0">
+                <a:latin typeface="Calibri"/>
+                <a:cs typeface="Calibri"/>
+              </a:rPr>
+              <a:t> </a:t>
+            </a:r>
+            <a:r>
+              <a:rPr lang="en-US" sz="1600" dirty="0" err="1">
+                <a:latin typeface="Calibri"/>
+                <a:cs typeface="Calibri"/>
+              </a:rPr>
+              <a:t>Cotto</a:t>
+            </a:r>
+            <a:r>
+              <a:rPr lang="en-US" sz="1600" dirty="0">
+                <a:latin typeface="Calibri"/>
+                <a:cs typeface="Calibri"/>
+              </a:rPr>
+              <a:t>, Obi Griffith, Malachi Griffith, </a:t>
+            </a:r>
+          </a:p>
+          <a:p>
+            <a:pPr fontAlgn="auto">
+              <a:spcAft>
+                <a:spcPts val="0"/>
+              </a:spcAft>
+              <a:defRPr/>
+            </a:pPr>
+            <a:r>
+              <a:rPr lang="en-US" sz="1600" dirty="0">
+                <a:latin typeface="Calibri"/>
+                <a:cs typeface="Calibri"/>
+              </a:rPr>
+              <a:t>Alex Wagner, Jason Walker</a:t>
             </a:r>
           </a:p>
           <a:p>
@@ -10504,57 +10519,11 @@
                   </a:solidFill>
                 </a:ln>
                 <a:latin typeface="Calibri"/>
-                <a:ea typeface="+mn-ea"/>
                 <a:cs typeface="Calibri"/>
               </a:rPr>
-              <a:t>November </a:t>
-            </a:r>
-            <a:r>
-              <a:rPr lang="en-US" sz="1400" dirty="0" smtClean="0">
-                <a:ln w="1270">
-                  <a:solidFill>
-                    <a:schemeClr val="tx1">
-                      <a:alpha val="38000"/>
-                    </a:schemeClr>
-                  </a:solidFill>
-                </a:ln>
-                <a:latin typeface="Calibri"/>
-                <a:ea typeface="+mn-ea"/>
-                <a:cs typeface="Calibri"/>
-              </a:rPr>
-              <a:t>7 </a:t>
-            </a:r>
-            <a:r>
-              <a:rPr lang="en-US" sz="1400">
-                <a:ln w="1270">
-                  <a:solidFill>
-                    <a:schemeClr val="tx1">
-                      <a:alpha val="38000"/>
-                    </a:schemeClr>
-                  </a:solidFill>
-                </a:ln>
-                <a:latin typeface="Calibri"/>
-                <a:ea typeface="+mn-ea"/>
-                <a:cs typeface="Calibri"/>
-              </a:rPr>
-              <a:t>- </a:t>
-            </a:r>
-            <a:r>
-              <a:rPr lang="en-US" sz="1400" smtClean="0">
-                <a:ln w="1270">
-                  <a:solidFill>
-                    <a:schemeClr val="tx1">
-                      <a:alpha val="38000"/>
-                    </a:schemeClr>
-                  </a:solidFill>
-                </a:ln>
-                <a:latin typeface="Calibri"/>
-                <a:ea typeface="+mn-ea"/>
-                <a:cs typeface="Calibri"/>
-              </a:rPr>
-              <a:t>18, 2017</a:t>
-            </a:r>
-            <a:endParaRPr lang="en-US" sz="1400" dirty="0" smtClean="0">
+              <a:t>November 6- 18, 2018</a:t>
+            </a:r>
+            <a:endParaRPr lang="en-US" sz="1400" dirty="0">
               <a:ln w="1270">
                 <a:solidFill>
                   <a:schemeClr val="tx1">
@@ -10563,7 +10532,6 @@
                 </a:solidFill>
               </a:ln>
               <a:latin typeface="Calibri"/>
-              <a:ea typeface="+mn-ea"/>
               <a:cs typeface="Calibri"/>
             </a:endParaRPr>
           </a:p>

--- a/LectureFiles/cshl/2018/RNASeq_Module1_Lecture.pptx
+++ b/LectureFiles/cshl/2018/RNASeq_Module1_Lecture.pptx
@@ -13,7 +13,7 @@
   <p:sldIdLst>
     <p:sldId id="341" r:id="rId2"/>
     <p:sldId id="513" r:id="rId3"/>
-    <p:sldId id="514" r:id="rId4"/>
+    <p:sldId id="539" r:id="rId4"/>
     <p:sldId id="515" r:id="rId5"/>
     <p:sldId id="516" r:id="rId6"/>
     <p:sldId id="517" r:id="rId7"/>
@@ -168,7 +168,7 @@
   </p:defaultTextStyle>
   <p:extLst>
     <p:ext uri="{EFAFB233-063F-42B5-8137-9DF3F51BA10A}">
-      <p15:sldGuideLst xmlns="" xmlns:p15="http://schemas.microsoft.com/office/powerpoint/2012/main">
+      <p15:sldGuideLst xmlns:p15="http://schemas.microsoft.com/office/powerpoint/2012/main" xmlns="">
         <p15:guide id="1" orient="horz" pos="2160">
           <p15:clr>
             <a:srgbClr val="A4A3A4"/>
@@ -288,7 +288,7 @@
               <a:pPr>
                 <a:defRPr/>
               </a:pPr>
-              <a:t>11/13/18</a:t>
+              <a:t>11/14/18</a:t>
             </a:fld>
             <a:endParaRPr lang="en-US"/>
           </a:p>
@@ -495,7 +495,7 @@
               <a:pPr>
                 <a:defRPr/>
               </a:pPr>
-              <a:t>11/13/18</a:t>
+              <a:t>11/14/18</a:t>
             </a:fld>
             <a:endParaRPr lang="en-US"/>
           </a:p>
@@ -6925,7 +6925,7 @@
               <a:pPr>
                 <a:defRPr/>
               </a:pPr>
-              <a:t>11/13/18</a:t>
+              <a:t>11/14/18</a:t>
             </a:fld>
             <a:endParaRPr lang="en-US"/>
           </a:p>
@@ -10523,17 +10523,6 @@
               </a:rPr>
               <a:t>November 6- 18, 2018</a:t>
             </a:r>
-            <a:endParaRPr lang="en-US" sz="1400" dirty="0">
-              <a:ln w="1270">
-                <a:solidFill>
-                  <a:schemeClr val="tx1">
-                    <a:alpha val="38000"/>
-                  </a:schemeClr>
-                </a:solidFill>
-              </a:ln>
-              <a:latin typeface="Calibri"/>
-              <a:cs typeface="Calibri"/>
-            </a:endParaRPr>
           </a:p>
         </p:txBody>
       </p:sp>
@@ -11928,7 +11917,7 @@
               <a:buNone/>
             </a:pPr>
             <a:r>
-              <a:rPr lang="en-US" sz="4400">
+              <a:rPr lang="en-US" sz="4400" dirty="0">
                 <a:latin typeface="Calibri" charset="0"/>
                 <a:ea typeface="ＭＳ Ｐゴシック" charset="0"/>
               </a:rPr>
@@ -11995,7 +11984,7 @@
           <a:lstStyle/>
           <a:p>
             <a:r>
-              <a:rPr lang="en-US">
+              <a:rPr lang="en-US" dirty="0">
                 <a:latin typeface="Calibri" charset="0"/>
                 <a:ea typeface="ＭＳ Ｐゴシック" charset="0"/>
               </a:rPr>
@@ -12014,10 +12003,15 @@
             <p:ph idx="1"/>
           </p:nvPr>
         </p:nvSpPr>
-        <p:spPr/>
+        <p:spPr>
+          <a:xfrm>
+            <a:off x="152400" y="1584920"/>
+            <a:ext cx="8839200" cy="4724400"/>
+          </a:xfrm>
+        </p:spPr>
         <p:txBody>
           <a:bodyPr>
-            <a:normAutofit lnSpcReduction="10000"/>
+            <a:normAutofit fontScale="92500" lnSpcReduction="10000"/>
           </a:bodyPr>
           <a:lstStyle/>
           <a:p>
@@ -12026,7 +12020,11 @@
             </a:pPr>
             <a:r>
               <a:rPr lang="en-US" b="1" dirty="0" smtClean="0"/>
-              <a:t>Module 1: </a:t>
+              <a:t>Module </a:t>
+            </a:r>
+            <a:r>
+              <a:rPr lang="en-US" b="1" dirty="0" smtClean="0"/>
+              <a:t>1: </a:t>
             </a:r>
             <a:r>
               <a:rPr lang="en-US" b="1" dirty="0"/>
@@ -12082,7 +12080,11 @@
             </a:r>
             <a:r>
               <a:rPr lang="en-US" dirty="0"/>
-              <a:t>Expression and Differential Expression</a:t>
+              <a:t>Expression and Differential </a:t>
+            </a:r>
+            <a:r>
+              <a:rPr lang="en-US" dirty="0" smtClean="0"/>
+              <a:t>Expression</a:t>
             </a:r>
           </a:p>
           <a:p>
@@ -12090,12 +12092,22 @@
               <a:defRPr/>
             </a:pPr>
             <a:r>
+              <a:rPr lang="en-US" dirty="0" smtClean="0"/>
+              <a:t>Module 4: Alignment Free Expression Estimation</a:t>
+            </a:r>
+            <a:endParaRPr lang="en-US" dirty="0"/>
+          </a:p>
+          <a:p>
+            <a:pPr>
+              <a:defRPr/>
+            </a:pPr>
+            <a:r>
               <a:rPr lang="en-US" dirty="0"/>
-              <a:t>Module </a:t>
+              <a:t>Module 5</a:t>
             </a:r>
             <a:r>
               <a:rPr lang="en-US" dirty="0" smtClean="0"/>
-              <a:t>4: </a:t>
+              <a:t>: </a:t>
             </a:r>
             <a:r>
               <a:rPr lang="en-US" dirty="0"/>
@@ -12255,7 +12267,7 @@
     </p:spTree>
     <p:extLst>
       <p:ext uri="{BB962C8B-B14F-4D97-AF65-F5344CB8AC3E}">
-        <p14:creationId xmlns:p14="http://schemas.microsoft.com/office/powerpoint/2010/main" val="3494706342"/>
+        <p14:creationId xmlns:p14="http://schemas.microsoft.com/office/powerpoint/2010/main" val="1675791056"/>
       </p:ext>
     </p:extLst>
   </p:cSld>
